--- a/Other/Project Review - Product Design and Dev.pptx
+++ b/Other/Project Review - Product Design and Dev.pptx
@@ -245,7 +245,7 @@
           <a:p>
             <a:fld id="{EF1077DB-935E-4A0A-947A-D283B9F9F452}" type="datetimeFigureOut">
               <a:rPr lang="en-US" smtClean="0"/>
-              <a:t>4/7/2022</a:t>
+              <a:t>4/26/2022</a:t>
             </a:fld>
             <a:endParaRPr lang="en-US" dirty="0"/>
           </a:p>
@@ -422,7 +422,7 @@
           <a:p>
             <a:fld id="{2D9EC30E-1A71-4188-9BE7-E2A64929A436}" type="datetimeFigureOut">
               <a:rPr lang="en-US" noProof="0" smtClean="0"/>
-              <a:t>4/7/2022</a:t>
+              <a:t>4/26/2022</a:t>
             </a:fld>
             <a:endParaRPr lang="en-US" noProof="0" dirty="0"/>
           </a:p>
@@ -8680,6 +8680,12 @@
               <a:t>Jesu Pandian J, 191206</a:t>
             </a:r>
           </a:p>
+          <a:p>
+            <a:r>
+              <a:rPr lang="en-US" dirty="0"/>
+              <a:t>Shrijith S, 1912105</a:t>
+            </a:r>
+          </a:p>
         </p:txBody>
       </p:sp>
       <p:sp>
@@ -9111,13 +9117,10 @@
       </p:grpSpPr>
       <p:sp>
         <p:nvSpPr>
-          <p:cNvPr id="20" name="Hexagon 19">
-            <a:extLst>
-              <a:ext uri="{FF2B5EF4-FFF2-40B4-BE49-F238E27FC236}">
-                <a16:creationId xmlns:a16="http://schemas.microsoft.com/office/drawing/2014/main" id="{184F3FD5-57F6-429C-8A79-BC3E161F9645}"/>
-              </a:ext>
-              <a:ext uri="{C183D7F6-B498-43B3-948B-1728B52AA6E4}">
-                <adec:decorative xmlns:adec="http://schemas.microsoft.com/office/drawing/2017/decorative" val="1"/>
+          <p:cNvPr id="17" name="Freeform: Shape 16">
+            <a:extLst>
+              <a:ext uri="{FF2B5EF4-FFF2-40B4-BE49-F238E27FC236}">
+                <a16:creationId xmlns:a16="http://schemas.microsoft.com/office/drawing/2014/main" id="{10C780AB-D615-4163-91BC-810B5307C3D9}"/>
               </a:ext>
             </a:extLst>
           </p:cNvPr>
@@ -9126,15 +9129,101 @@
         </p:nvSpPr>
         <p:spPr>
           <a:xfrm>
-            <a:off x="191096" y="1464099"/>
-            <a:ext cx="2481111" cy="604157"/>
-          </a:xfrm>
-          <a:prstGeom prst="hexagon">
-            <a:avLst/>
-          </a:prstGeom>
-          <a:solidFill>
-            <a:schemeClr val="tx2"/>
-          </a:solidFill>
+            <a:off x="645952" y="1749789"/>
+            <a:ext cx="10810915" cy="2941705"/>
+          </a:xfrm>
+          <a:custGeom>
+            <a:avLst/>
+            <a:gdLst>
+              <a:gd name="connsiteX0" fmla="*/ 0 w 10810915"/>
+              <a:gd name="connsiteY0" fmla="*/ 2444706 h 2941705"/>
+              <a:gd name="connsiteX1" fmla="*/ 1593909 w 10810915"/>
+              <a:gd name="connsiteY1" fmla="*/ 238402 h 2941705"/>
+              <a:gd name="connsiteX2" fmla="*/ 3389153 w 10810915"/>
+              <a:gd name="connsiteY2" fmla="*/ 347459 h 2941705"/>
+              <a:gd name="connsiteX3" fmla="*/ 5343787 w 10810915"/>
+              <a:gd name="connsiteY3" fmla="*/ 2788655 h 2941705"/>
+              <a:gd name="connsiteX4" fmla="*/ 7004808 w 10810915"/>
+              <a:gd name="connsiteY4" fmla="*/ 2117536 h 2941705"/>
+              <a:gd name="connsiteX5" fmla="*/ 8456103 w 10810915"/>
+              <a:gd name="connsiteY5" fmla="*/ 221624 h 2941705"/>
+              <a:gd name="connsiteX6" fmla="*/ 10528184 w 10810915"/>
+              <a:gd name="connsiteY6" fmla="*/ 2646042 h 2941705"/>
+              <a:gd name="connsiteX7" fmla="*/ 10737909 w 10810915"/>
+              <a:gd name="connsiteY7" fmla="*/ 2813822 h 2941705"/>
+            </a:gdLst>
+            <a:ahLst/>
+            <a:cxnLst>
+              <a:cxn ang="0">
+                <a:pos x="connsiteX0" y="connsiteY0"/>
+              </a:cxn>
+              <a:cxn ang="0">
+                <a:pos x="connsiteX1" y="connsiteY1"/>
+              </a:cxn>
+              <a:cxn ang="0">
+                <a:pos x="connsiteX2" y="connsiteY2"/>
+              </a:cxn>
+              <a:cxn ang="0">
+                <a:pos x="connsiteX3" y="connsiteY3"/>
+              </a:cxn>
+              <a:cxn ang="0">
+                <a:pos x="connsiteX4" y="connsiteY4"/>
+              </a:cxn>
+              <a:cxn ang="0">
+                <a:pos x="connsiteX5" y="connsiteY5"/>
+              </a:cxn>
+              <a:cxn ang="0">
+                <a:pos x="connsiteX6" y="connsiteY6"/>
+              </a:cxn>
+              <a:cxn ang="0">
+                <a:pos x="connsiteX7" y="connsiteY7"/>
+              </a:cxn>
+            </a:cxnLst>
+            <a:rect l="l" t="t" r="r" b="b"/>
+            <a:pathLst>
+              <a:path w="10810915" h="2941705">
+                <a:moveTo>
+                  <a:pt x="0" y="2444706"/>
+                </a:moveTo>
+                <a:cubicBezTo>
+                  <a:pt x="514525" y="1516324"/>
+                  <a:pt x="1029050" y="587943"/>
+                  <a:pt x="1593909" y="238402"/>
+                </a:cubicBezTo>
+                <a:cubicBezTo>
+                  <a:pt x="2158768" y="-111139"/>
+                  <a:pt x="2764173" y="-77583"/>
+                  <a:pt x="3389153" y="347459"/>
+                </a:cubicBezTo>
+                <a:cubicBezTo>
+                  <a:pt x="4014133" y="772501"/>
+                  <a:pt x="4741178" y="2493642"/>
+                  <a:pt x="5343787" y="2788655"/>
+                </a:cubicBezTo>
+                <a:cubicBezTo>
+                  <a:pt x="5946396" y="3083668"/>
+                  <a:pt x="6486089" y="2545375"/>
+                  <a:pt x="7004808" y="2117536"/>
+                </a:cubicBezTo>
+                <a:cubicBezTo>
+                  <a:pt x="7523527" y="1689697"/>
+                  <a:pt x="7868874" y="133540"/>
+                  <a:pt x="8456103" y="221624"/>
+                </a:cubicBezTo>
+                <a:cubicBezTo>
+                  <a:pt x="9043332" y="309708"/>
+                  <a:pt x="10147883" y="2214009"/>
+                  <a:pt x="10528184" y="2646042"/>
+                </a:cubicBezTo>
+                <a:cubicBezTo>
+                  <a:pt x="10908485" y="3078075"/>
+                  <a:pt x="10823197" y="2945948"/>
+                  <a:pt x="10737909" y="2813822"/>
+                </a:cubicBezTo>
+              </a:path>
+            </a:pathLst>
+          </a:custGeom>
+          <a:noFill/>
           <a:ln>
             <a:noFill/>
           </a:ln>
@@ -9160,62 +9249,16 @@
           <a:lstStyle/>
           <a:p>
             <a:pPr algn="ctr"/>
-            <a:endParaRPr lang="en-US" dirty="0">
-              <a:latin typeface="+mj-lt"/>
-            </a:endParaRPr>
-          </a:p>
-        </p:txBody>
-      </p:sp>
-      <p:sp>
-        <p:nvSpPr>
-          <p:cNvPr id="3" name="Title 1">
-            <a:extLst>
-              <a:ext uri="{FF2B5EF4-FFF2-40B4-BE49-F238E27FC236}">
-                <a16:creationId xmlns:a16="http://schemas.microsoft.com/office/drawing/2014/main" id="{D88C20CF-C1EE-4092-B52D-FD4AB2AB2508}"/>
-              </a:ext>
-            </a:extLst>
-          </p:cNvPr>
-          <p:cNvSpPr>
-            <a:spLocks noGrp="1"/>
-          </p:cNvSpPr>
-          <p:nvPr>
-            <p:ph type="title"/>
-          </p:nvPr>
-        </p:nvSpPr>
-        <p:spPr>
-          <a:xfrm>
-            <a:off x="426000" y="254695"/>
-            <a:ext cx="11340000" cy="700114"/>
-          </a:xfrm>
-          <a:prstGeom prst="rect">
-            <a:avLst/>
-          </a:prstGeom>
-        </p:spPr>
-        <p:txBody>
-          <a:bodyPr anchor="ctr"/>
-          <a:lstStyle/>
-          <a:p>
-            <a:pPr algn="ctr"/>
-            <a:r>
-              <a:rPr lang="en-US" sz="4800" b="1" dirty="0">
-                <a:solidFill>
-                  <a:schemeClr val="tx1"/>
-                </a:solidFill>
-              </a:rPr>
-              <a:t>Students – Journey Map</a:t>
-            </a:r>
-          </a:p>
-        </p:txBody>
-      </p:sp>
-      <p:sp>
-        <p:nvSpPr>
-          <p:cNvPr id="45" name="Rectangle 44">
-            <a:extLst>
-              <a:ext uri="{FF2B5EF4-FFF2-40B4-BE49-F238E27FC236}">
-                <a16:creationId xmlns:a16="http://schemas.microsoft.com/office/drawing/2014/main" id="{04CA3F56-6B4F-4DFF-B133-DBA85DE6850E}"/>
-              </a:ext>
-              <a:ext uri="{C183D7F6-B498-43B3-948B-1728B52AA6E4}">
-                <adec:decorative xmlns:adec="http://schemas.microsoft.com/office/drawing/2017/decorative" val="1"/>
+            <a:endParaRPr lang="en-IN"/>
+          </a:p>
+        </p:txBody>
+      </p:sp>
+      <p:sp>
+        <p:nvSpPr>
+          <p:cNvPr id="34" name="Freeform: Shape 33">
+            <a:extLst>
+              <a:ext uri="{FF2B5EF4-FFF2-40B4-BE49-F238E27FC236}">
+                <a16:creationId xmlns:a16="http://schemas.microsoft.com/office/drawing/2014/main" id="{5DB5595C-3234-424E-A137-2C15245F8A9D}"/>
               </a:ext>
             </a:extLst>
           </p:cNvPr>
@@ -9224,19 +9267,151 @@
         </p:nvSpPr>
         <p:spPr>
           <a:xfrm>
-            <a:off x="189084" y="1764328"/>
-            <a:ext cx="2470792" cy="3972988"/>
-          </a:xfrm>
-          <a:prstGeom prst="rect">
-            <a:avLst/>
-          </a:prstGeom>
-          <a:noFill/>
+            <a:off x="713064" y="2164075"/>
+            <a:ext cx="10746297" cy="2189811"/>
+          </a:xfrm>
+          <a:custGeom>
+            <a:avLst/>
+            <a:gdLst>
+              <a:gd name="connsiteX0" fmla="*/ 0 w 10746297"/>
+              <a:gd name="connsiteY0" fmla="*/ 1963308 h 2189811"/>
+              <a:gd name="connsiteX1" fmla="*/ 1434518 w 10746297"/>
+              <a:gd name="connsiteY1" fmla="*/ 285 h 2189811"/>
+              <a:gd name="connsiteX2" fmla="*/ 2885813 w 10746297"/>
+              <a:gd name="connsiteY2" fmla="*/ 2080754 h 2189811"/>
+              <a:gd name="connsiteX3" fmla="*/ 4521666 w 10746297"/>
+              <a:gd name="connsiteY3" fmla="*/ 100953 h 2189811"/>
+              <a:gd name="connsiteX4" fmla="*/ 6501468 w 10746297"/>
+              <a:gd name="connsiteY4" fmla="*/ 2072365 h 2189811"/>
+              <a:gd name="connsiteX5" fmla="*/ 8456103 w 10746297"/>
+              <a:gd name="connsiteY5" fmla="*/ 176453 h 2189811"/>
+              <a:gd name="connsiteX6" fmla="*/ 10746297 w 10746297"/>
+              <a:gd name="connsiteY6" fmla="*/ 2189811 h 2189811"/>
+            </a:gdLst>
+            <a:ahLst/>
+            <a:cxnLst>
+              <a:cxn ang="0">
+                <a:pos x="connsiteX0" y="connsiteY0"/>
+              </a:cxn>
+              <a:cxn ang="0">
+                <a:pos x="connsiteX1" y="connsiteY1"/>
+              </a:cxn>
+              <a:cxn ang="0">
+                <a:pos x="connsiteX2" y="connsiteY2"/>
+              </a:cxn>
+              <a:cxn ang="0">
+                <a:pos x="connsiteX3" y="connsiteY3"/>
+              </a:cxn>
+              <a:cxn ang="0">
+                <a:pos x="connsiteX4" y="connsiteY4"/>
+              </a:cxn>
+              <a:cxn ang="0">
+                <a:pos x="connsiteX5" y="connsiteY5"/>
+              </a:cxn>
+              <a:cxn ang="0">
+                <a:pos x="connsiteX6" y="connsiteY6"/>
+              </a:cxn>
+            </a:cxnLst>
+            <a:rect l="l" t="t" r="r" b="b"/>
+            <a:pathLst>
+              <a:path w="10746297" h="2189811">
+                <a:moveTo>
+                  <a:pt x="0" y="1963308"/>
+                </a:moveTo>
+                <a:cubicBezTo>
+                  <a:pt x="476774" y="972009"/>
+                  <a:pt x="953549" y="-19289"/>
+                  <a:pt x="1434518" y="285"/>
+                </a:cubicBezTo>
+                <a:cubicBezTo>
+                  <a:pt x="1915487" y="19859"/>
+                  <a:pt x="2371288" y="2063976"/>
+                  <a:pt x="2885813" y="2080754"/>
+                </a:cubicBezTo>
+                <a:cubicBezTo>
+                  <a:pt x="3400338" y="2097532"/>
+                  <a:pt x="3919057" y="102351"/>
+                  <a:pt x="4521666" y="100953"/>
+                </a:cubicBezTo>
+                <a:cubicBezTo>
+                  <a:pt x="5124275" y="99555"/>
+                  <a:pt x="5845729" y="2059782"/>
+                  <a:pt x="6501468" y="2072365"/>
+                </a:cubicBezTo>
+                <a:cubicBezTo>
+                  <a:pt x="7157207" y="2084948"/>
+                  <a:pt x="7748632" y="156879"/>
+                  <a:pt x="8456103" y="176453"/>
+                </a:cubicBezTo>
+                <a:cubicBezTo>
+                  <a:pt x="9163575" y="196027"/>
+                  <a:pt x="10370191" y="1873826"/>
+                  <a:pt x="10746297" y="2189811"/>
+                </a:cubicBezTo>
+              </a:path>
+            </a:pathLst>
+          </a:custGeom>
+          <a:ln w="9525" cap="flat" cmpd="sng" algn="ctr">
+            <a:solidFill>
+              <a:schemeClr val="accent1"/>
+            </a:solidFill>
+            <a:prstDash val="dash"/>
+            <a:round/>
+            <a:headEnd type="none" w="med" len="med"/>
+            <a:tailEnd type="none" w="med" len="med"/>
+          </a:ln>
+        </p:spPr>
+        <p:style>
+          <a:lnRef idx="0">
+            <a:scrgbClr r="0" g="0" b="0"/>
+          </a:lnRef>
+          <a:fillRef idx="0">
+            <a:scrgbClr r="0" g="0" b="0"/>
+          </a:fillRef>
+          <a:effectRef idx="0">
+            <a:scrgbClr r="0" g="0" b="0"/>
+          </a:effectRef>
+          <a:fontRef idx="minor">
+            <a:schemeClr val="tx1"/>
+          </a:fontRef>
+        </p:style>
+        <p:txBody>
+          <a:bodyPr rtlCol="0" anchor="ctr"/>
+          <a:lstStyle/>
+          <a:p>
+            <a:pPr algn="ctr"/>
+            <a:endParaRPr lang="en-IN"/>
+          </a:p>
+        </p:txBody>
+      </p:sp>
+      <p:sp>
+        <p:nvSpPr>
+          <p:cNvPr id="8" name="Flowchart: Stored Data 7">
+            <a:extLst>
+              <a:ext uri="{FF2B5EF4-FFF2-40B4-BE49-F238E27FC236}">
+                <a16:creationId xmlns:a16="http://schemas.microsoft.com/office/drawing/2014/main" id="{80286FB7-3024-4B25-B623-0E214ED9814C}"/>
+              </a:ext>
+            </a:extLst>
+          </p:cNvPr>
+          <p:cNvSpPr/>
+          <p:nvPr/>
+        </p:nvSpPr>
+        <p:spPr>
+          <a:xfrm flipH="1">
+            <a:off x="788565" y="2757880"/>
+            <a:ext cx="1644242" cy="671120"/>
+          </a:xfrm>
+          <a:prstGeom prst="flowChartOnlineStorage">
+            <a:avLst/>
+          </a:prstGeom>
+          <a:solidFill>
+            <a:schemeClr val="accent1">
+              <a:lumMod val="40000"/>
+              <a:lumOff val="60000"/>
+            </a:schemeClr>
+          </a:solidFill>
           <a:ln>
-            <a:solidFill>
-              <a:schemeClr val="bg1">
-                <a:lumMod val="75000"/>
-              </a:schemeClr>
-            </a:solidFill>
+            <a:noFill/>
           </a:ln>
         </p:spPr>
         <p:style>
@@ -9256,246 +9431,20 @@
           </a:fontRef>
         </p:style>
         <p:txBody>
-          <a:bodyPr wrap="square" rtlCol="0" anchor="ctr">
-            <a:noAutofit/>
-          </a:bodyPr>
+          <a:bodyPr rtlCol="0" anchor="ctr"/>
           <a:lstStyle/>
           <a:p>
             <a:pPr algn="ctr"/>
-            <a:endParaRPr lang="en-US" dirty="0"/>
-          </a:p>
-        </p:txBody>
-      </p:sp>
-      <p:sp>
-        <p:nvSpPr>
-          <p:cNvPr id="44" name="TextBox 43">
-            <a:extLst>
-              <a:ext uri="{FF2B5EF4-FFF2-40B4-BE49-F238E27FC236}">
-                <a16:creationId xmlns:a16="http://schemas.microsoft.com/office/drawing/2014/main" id="{AB2D8CCC-2870-4227-ABD9-02D24FF59C9D}"/>
-              </a:ext>
-            </a:extLst>
-          </p:cNvPr>
-          <p:cNvSpPr txBox="1"/>
-          <p:nvPr/>
-        </p:nvSpPr>
-        <p:spPr>
-          <a:xfrm>
-            <a:off x="227188" y="1489798"/>
-            <a:ext cx="2470792" cy="323165"/>
-          </a:xfrm>
-          <a:prstGeom prst="rect">
-            <a:avLst/>
-          </a:prstGeom>
-          <a:noFill/>
-        </p:spPr>
-        <p:txBody>
-          <a:bodyPr wrap="square" rtlCol="0">
-            <a:spAutoFit/>
-          </a:bodyPr>
-          <a:lstStyle/>
-          <a:p>
-            <a:pPr algn="ctr"/>
-            <a:r>
-              <a:rPr lang="en-US" sz="1500" dirty="0">
-                <a:solidFill>
-                  <a:schemeClr val="bg1"/>
-                </a:solidFill>
-                <a:latin typeface="+mj-lt"/>
-                <a:cs typeface="Biome Light" panose="020B0303030204020804" pitchFamily="34" charset="0"/>
-              </a:rPr>
-              <a:t>Students Do</a:t>
-            </a:r>
-          </a:p>
-        </p:txBody>
-      </p:sp>
-      <p:sp>
-        <p:nvSpPr>
-          <p:cNvPr id="68" name="TextBox 67">
-            <a:extLst>
-              <a:ext uri="{FF2B5EF4-FFF2-40B4-BE49-F238E27FC236}">
-                <a16:creationId xmlns:a16="http://schemas.microsoft.com/office/drawing/2014/main" id="{C9097234-38E0-4114-A29F-508805824B65}"/>
-              </a:ext>
-            </a:extLst>
-          </p:cNvPr>
-          <p:cNvSpPr txBox="1"/>
-          <p:nvPr/>
-        </p:nvSpPr>
-        <p:spPr>
-          <a:xfrm>
-            <a:off x="185572" y="2244908"/>
-            <a:ext cx="2465087" cy="3308603"/>
-          </a:xfrm>
-          <a:prstGeom prst="rect">
-            <a:avLst/>
-          </a:prstGeom>
-          <a:noFill/>
-        </p:spPr>
-        <p:txBody>
-          <a:bodyPr wrap="square" rIns="0" rtlCol="0">
-            <a:noAutofit/>
-          </a:bodyPr>
-          <a:lstStyle/>
-          <a:p>
-            <a:pPr marL="285750" indent="-285750">
-              <a:lnSpc>
-                <a:spcPct val="150000"/>
-              </a:lnSpc>
-              <a:buClr>
-                <a:schemeClr val="accent3"/>
-              </a:buClr>
-              <a:buFont typeface="Wingdings" panose="05000000000000000000" pitchFamily="2" charset="2"/>
-              <a:buChar char="q"/>
-            </a:pPr>
-            <a:r>
-              <a:rPr lang="en-US" dirty="0">
-                <a:latin typeface="+mj-lt"/>
-                <a:cs typeface="Biome Light" panose="020B0303030204020804" pitchFamily="34" charset="0"/>
-              </a:rPr>
-              <a:t>Borrowing Money</a:t>
-            </a:r>
-          </a:p>
-          <a:p>
-            <a:pPr marL="285750" indent="-285750">
-              <a:buClr>
-                <a:schemeClr val="accent3"/>
-              </a:buClr>
-              <a:buFont typeface="Wingdings" panose="05000000000000000000" pitchFamily="2" charset="2"/>
-              <a:buChar char="q"/>
-            </a:pPr>
-            <a:endParaRPr lang="en-US" dirty="0">
-              <a:latin typeface="+mj-lt"/>
-              <a:cs typeface="Biome Light" panose="020B0303030204020804" pitchFamily="34" charset="0"/>
-            </a:endParaRPr>
-          </a:p>
-          <a:p>
-            <a:pPr marL="285750" indent="-285750">
-              <a:buClr>
-                <a:schemeClr val="accent3"/>
-              </a:buClr>
-              <a:buFont typeface="Wingdings" panose="05000000000000000000" pitchFamily="2" charset="2"/>
-              <a:buChar char="q"/>
-            </a:pPr>
-            <a:r>
-              <a:rPr lang="en-US" dirty="0">
-                <a:latin typeface="+mj-lt"/>
-                <a:cs typeface="Biome Light" panose="020B0303030204020804" pitchFamily="34" charset="0"/>
-              </a:rPr>
-              <a:t>Loan against gold, properties and the securities.</a:t>
-            </a:r>
-          </a:p>
-          <a:p>
-            <a:pPr marL="285750" indent="-285750">
-              <a:buClr>
-                <a:schemeClr val="accent3"/>
-              </a:buClr>
-              <a:buFont typeface="Wingdings" panose="05000000000000000000" pitchFamily="2" charset="2"/>
-              <a:buChar char="q"/>
-            </a:pPr>
-            <a:endParaRPr lang="en-US" dirty="0">
-              <a:latin typeface="+mj-lt"/>
-              <a:cs typeface="Biome Light" panose="020B0303030204020804" pitchFamily="34" charset="0"/>
-            </a:endParaRPr>
-          </a:p>
-          <a:p>
-            <a:pPr marL="285750" indent="-285750">
-              <a:lnSpc>
-                <a:spcPct val="150000"/>
-              </a:lnSpc>
-              <a:buClr>
-                <a:schemeClr val="accent3"/>
-              </a:buClr>
-              <a:buFont typeface="Wingdings" panose="05000000000000000000" pitchFamily="2" charset="2"/>
-              <a:buChar char="q"/>
-            </a:pPr>
-            <a:r>
-              <a:rPr lang="en-US" dirty="0">
-                <a:latin typeface="+mj-lt"/>
-                <a:cs typeface="Biome Light" panose="020B0303030204020804" pitchFamily="34" charset="0"/>
-              </a:rPr>
-              <a:t>Part time work.</a:t>
-            </a:r>
-          </a:p>
-          <a:p>
-            <a:pPr marL="285750" indent="-285750">
-              <a:buClr>
-                <a:schemeClr val="accent3"/>
-              </a:buClr>
-              <a:buFont typeface="Wingdings" panose="05000000000000000000" pitchFamily="2" charset="2"/>
-              <a:buChar char="q"/>
-            </a:pPr>
-            <a:endParaRPr lang="en-US" dirty="0">
-              <a:latin typeface="+mj-lt"/>
-              <a:cs typeface="Biome Light" panose="020B0303030204020804" pitchFamily="34" charset="0"/>
-            </a:endParaRPr>
-          </a:p>
-          <a:p>
-            <a:pPr marL="285750" indent="-285750">
-              <a:buClr>
-                <a:schemeClr val="accent3"/>
-              </a:buClr>
-              <a:buFont typeface="Wingdings" panose="05000000000000000000" pitchFamily="2" charset="2"/>
-              <a:buChar char="q"/>
-            </a:pPr>
-            <a:r>
-              <a:rPr lang="en-US" b="1" u="sng" dirty="0">
-                <a:latin typeface="+mj-lt"/>
-                <a:cs typeface="Biome Light" panose="020B0303030204020804" pitchFamily="34" charset="0"/>
-              </a:rPr>
-              <a:t>Asking all of mates for help.</a:t>
-            </a:r>
-          </a:p>
-          <a:p>
-            <a:pPr marL="285750" indent="-285750">
-              <a:lnSpc>
-                <a:spcPct val="150000"/>
-              </a:lnSpc>
-              <a:buClr>
-                <a:schemeClr val="accent3"/>
-              </a:buClr>
-              <a:buFont typeface="Wingdings" panose="05000000000000000000" pitchFamily="2" charset="2"/>
-              <a:buChar char="q"/>
-            </a:pPr>
-            <a:endParaRPr lang="en-US" dirty="0">
-              <a:latin typeface="+mj-lt"/>
-              <a:cs typeface="Biome Light" panose="020B0303030204020804" pitchFamily="34" charset="0"/>
-            </a:endParaRPr>
-          </a:p>
-          <a:p>
-            <a:pPr marL="285750" indent="-285750">
-              <a:lnSpc>
-                <a:spcPct val="150000"/>
-              </a:lnSpc>
-              <a:buClr>
-                <a:schemeClr val="accent3"/>
-              </a:buClr>
-              <a:buFont typeface="Wingdings" panose="05000000000000000000" pitchFamily="2" charset="2"/>
-              <a:buChar char="q"/>
-            </a:pPr>
-            <a:endParaRPr lang="en-US" sz="1400" b="1" dirty="0">
-              <a:latin typeface="+mj-lt"/>
-              <a:cs typeface="Biome Light" panose="020B0303030204020804" pitchFamily="34" charset="0"/>
-            </a:endParaRPr>
-          </a:p>
-          <a:p>
-            <a:pPr marL="285750" indent="-285750">
-              <a:buClr>
-                <a:schemeClr val="accent3"/>
-              </a:buClr>
-              <a:buFont typeface="Wingdings" panose="05000000000000000000" pitchFamily="2" charset="2"/>
-              <a:buChar char="q"/>
-            </a:pPr>
-            <a:endParaRPr lang="en-US" sz="1400" dirty="0">
-              <a:cs typeface="Biome Light" panose="020B0303030204020804" pitchFamily="34" charset="0"/>
-            </a:endParaRPr>
-          </a:p>
-        </p:txBody>
-      </p:sp>
-      <p:sp>
-        <p:nvSpPr>
-          <p:cNvPr id="2" name="Hexagon 1">
-            <a:extLst>
-              <a:ext uri="{FF2B5EF4-FFF2-40B4-BE49-F238E27FC236}">
-                <a16:creationId xmlns:a16="http://schemas.microsoft.com/office/drawing/2014/main" id="{C8762A32-A817-41E8-BA51-C65E5453AF48}"/>
+            <a:endParaRPr lang="en-IN"/>
+          </a:p>
+        </p:txBody>
+      </p:sp>
+      <p:sp>
+        <p:nvSpPr>
+          <p:cNvPr id="22" name="Flowchart: Stored Data 21">
+            <a:extLst>
+              <a:ext uri="{FF2B5EF4-FFF2-40B4-BE49-F238E27FC236}">
+                <a16:creationId xmlns:a16="http://schemas.microsoft.com/office/drawing/2014/main" id="{AA71709B-A4CE-4111-A5F7-389065392C0D}"/>
               </a:ext>
             </a:extLst>
           </p:cNvPr>
@@ -9503,13 +9452,16 @@
           <p:nvPr/>
         </p:nvSpPr>
         <p:spPr>
-          <a:xfrm>
-            <a:off x="3707935" y="1359332"/>
-            <a:ext cx="2256638" cy="907262"/>
-          </a:xfrm>
-          <a:prstGeom prst="hexagon">
-            <a:avLst/>
-          </a:prstGeom>
+          <a:xfrm flipH="1">
+            <a:off x="2299982" y="2757880"/>
+            <a:ext cx="1644242" cy="671120"/>
+          </a:xfrm>
+          <a:prstGeom prst="flowChartOnlineStorage">
+            <a:avLst/>
+          </a:prstGeom>
+          <a:solidFill>
+            <a:srgbClr val="A5BBDF"/>
+          </a:solidFill>
           <a:ln>
             <a:noFill/>
           </a:ln>
@@ -9535,19 +9487,16 @@
           <a:lstStyle/>
           <a:p>
             <a:pPr algn="ctr"/>
-            <a:r>
-              <a:rPr lang="en-IN" dirty="0"/>
-              <a:t>Plans to get help from all mates</a:t>
-            </a:r>
-          </a:p>
-        </p:txBody>
-      </p:sp>
-      <p:sp>
-        <p:nvSpPr>
-          <p:cNvPr id="21" name="Hexagon 20">
-            <a:extLst>
-              <a:ext uri="{FF2B5EF4-FFF2-40B4-BE49-F238E27FC236}">
-                <a16:creationId xmlns:a16="http://schemas.microsoft.com/office/drawing/2014/main" id="{409E0139-AAE9-4BEC-BB52-5847F3BB95BC}"/>
+            <a:endParaRPr lang="en-IN"/>
+          </a:p>
+        </p:txBody>
+      </p:sp>
+      <p:sp>
+        <p:nvSpPr>
+          <p:cNvPr id="24" name="Flowchart: Stored Data 23">
+            <a:extLst>
+              <a:ext uri="{FF2B5EF4-FFF2-40B4-BE49-F238E27FC236}">
+                <a16:creationId xmlns:a16="http://schemas.microsoft.com/office/drawing/2014/main" id="{FD465D0D-6226-481A-BDAB-A49398276BFE}"/>
               </a:ext>
             </a:extLst>
           </p:cNvPr>
@@ -9555,13 +9504,16 @@
           <p:nvPr/>
         </p:nvSpPr>
         <p:spPr>
-          <a:xfrm>
-            <a:off x="6341513" y="1359332"/>
-            <a:ext cx="2256638" cy="907262"/>
-          </a:xfrm>
-          <a:prstGeom prst="hexagon">
-            <a:avLst/>
-          </a:prstGeom>
+          <a:xfrm flipH="1">
+            <a:off x="3811399" y="2773959"/>
+            <a:ext cx="1644242" cy="671120"/>
+          </a:xfrm>
+          <a:prstGeom prst="flowChartOnlineStorage">
+            <a:avLst/>
+          </a:prstGeom>
+          <a:solidFill>
+            <a:srgbClr val="8AACDE"/>
+          </a:solidFill>
           <a:ln>
             <a:noFill/>
           </a:ln>
@@ -9587,19 +9539,16 @@
           <a:lstStyle/>
           <a:p>
             <a:pPr algn="ctr"/>
-            <a:r>
-              <a:rPr lang="en-IN" dirty="0"/>
-              <a:t>Goes to each of his mates and asks for fund</a:t>
-            </a:r>
-          </a:p>
-        </p:txBody>
-      </p:sp>
-      <p:sp>
-        <p:nvSpPr>
-          <p:cNvPr id="9" name="Hexagon 8">
-            <a:extLst>
-              <a:ext uri="{FF2B5EF4-FFF2-40B4-BE49-F238E27FC236}">
-                <a16:creationId xmlns:a16="http://schemas.microsoft.com/office/drawing/2014/main" id="{D2FFD64F-F066-42E0-A3E5-C397DBAE6123}"/>
+            <a:endParaRPr lang="en-IN"/>
+          </a:p>
+        </p:txBody>
+      </p:sp>
+      <p:sp>
+        <p:nvSpPr>
+          <p:cNvPr id="25" name="Flowchart: Stored Data 24">
+            <a:extLst>
+              <a:ext uri="{FF2B5EF4-FFF2-40B4-BE49-F238E27FC236}">
+                <a16:creationId xmlns:a16="http://schemas.microsoft.com/office/drawing/2014/main" id="{29371833-F7A9-4EB7-98F3-3A04EF14F1D5}"/>
               </a:ext>
             </a:extLst>
           </p:cNvPr>
@@ -9607,13 +9556,16 @@
           <p:nvPr/>
         </p:nvSpPr>
         <p:spPr>
-          <a:xfrm>
-            <a:off x="8975091" y="1359332"/>
-            <a:ext cx="2256638" cy="907262"/>
-          </a:xfrm>
-          <a:prstGeom prst="hexagon">
-            <a:avLst/>
-          </a:prstGeom>
+          <a:xfrm flipH="1">
+            <a:off x="8236623" y="2756450"/>
+            <a:ext cx="1644242" cy="671120"/>
+          </a:xfrm>
+          <a:prstGeom prst="flowChartOnlineStorage">
+            <a:avLst/>
+          </a:prstGeom>
+          <a:solidFill>
+            <a:srgbClr val="375C99"/>
+          </a:solidFill>
           <a:ln>
             <a:noFill/>
           </a:ln>
@@ -9639,19 +9591,16 @@
           <a:lstStyle/>
           <a:p>
             <a:pPr algn="ctr"/>
-            <a:r>
-              <a:rPr lang="en-IN" dirty="0"/>
-              <a:t>Collects money from all donors</a:t>
-            </a:r>
-          </a:p>
-        </p:txBody>
-      </p:sp>
-      <p:sp>
-        <p:nvSpPr>
-          <p:cNvPr id="10" name="Hexagon 9">
-            <a:extLst>
-              <a:ext uri="{FF2B5EF4-FFF2-40B4-BE49-F238E27FC236}">
-                <a16:creationId xmlns:a16="http://schemas.microsoft.com/office/drawing/2014/main" id="{AA8B321B-EFF3-4591-82EE-A620B8602D6A}"/>
+            <a:endParaRPr lang="en-IN"/>
+          </a:p>
+        </p:txBody>
+      </p:sp>
+      <p:sp>
+        <p:nvSpPr>
+          <p:cNvPr id="26" name="Flowchart: Stored Data 25">
+            <a:extLst>
+              <a:ext uri="{FF2B5EF4-FFF2-40B4-BE49-F238E27FC236}">
+                <a16:creationId xmlns:a16="http://schemas.microsoft.com/office/drawing/2014/main" id="{B07306C6-0ABD-414E-A4A5-E0AFAE56DF55}"/>
               </a:ext>
             </a:extLst>
           </p:cNvPr>
@@ -9659,13 +9608,16 @@
           <p:nvPr/>
         </p:nvSpPr>
         <p:spPr>
-          <a:xfrm>
-            <a:off x="8975091" y="4228994"/>
-            <a:ext cx="2256638" cy="907262"/>
-          </a:xfrm>
-          <a:prstGeom prst="hexagon">
-            <a:avLst/>
-          </a:prstGeom>
+          <a:xfrm flipH="1">
+            <a:off x="5300595" y="2757880"/>
+            <a:ext cx="1644242" cy="671120"/>
+          </a:xfrm>
+          <a:prstGeom prst="flowChartOnlineStorage">
+            <a:avLst/>
+          </a:prstGeom>
+          <a:solidFill>
+            <a:srgbClr val="6288C6"/>
+          </a:solidFill>
           <a:ln>
             <a:noFill/>
           </a:ln>
@@ -9691,19 +9643,16 @@
           <a:lstStyle/>
           <a:p>
             <a:pPr algn="ctr"/>
-            <a:r>
-              <a:rPr lang="en-IN" dirty="0"/>
-              <a:t>Pays money for studies.</a:t>
-            </a:r>
-          </a:p>
-        </p:txBody>
-      </p:sp>
-      <p:sp>
-        <p:nvSpPr>
-          <p:cNvPr id="5" name="Rectangle 4">
-            <a:extLst>
-              <a:ext uri="{FF2B5EF4-FFF2-40B4-BE49-F238E27FC236}">
-                <a16:creationId xmlns:a16="http://schemas.microsoft.com/office/drawing/2014/main" id="{41217E51-3D17-471E-9B77-617819CBFBEC}"/>
+            <a:endParaRPr lang="en-IN"/>
+          </a:p>
+        </p:txBody>
+      </p:sp>
+      <p:sp>
+        <p:nvSpPr>
+          <p:cNvPr id="27" name="Flowchart: Stored Data 26">
+            <a:extLst>
+              <a:ext uri="{FF2B5EF4-FFF2-40B4-BE49-F238E27FC236}">
+                <a16:creationId xmlns:a16="http://schemas.microsoft.com/office/drawing/2014/main" id="{2703A800-FE1D-420B-B4E4-B1395D8BE5C1}"/>
               </a:ext>
             </a:extLst>
           </p:cNvPr>
@@ -9711,13 +9660,16 @@
           <p:nvPr/>
         </p:nvSpPr>
         <p:spPr>
-          <a:xfrm>
-            <a:off x="6290897" y="2357306"/>
-            <a:ext cx="2357870" cy="1551964"/>
-          </a:xfrm>
-          <a:prstGeom prst="rect">
-            <a:avLst/>
-          </a:prstGeom>
+          <a:xfrm flipH="1">
+            <a:off x="6768609" y="2765920"/>
+            <a:ext cx="1644242" cy="671120"/>
+          </a:xfrm>
+          <a:prstGeom prst="flowChartOnlineStorage">
+            <a:avLst/>
+          </a:prstGeom>
+          <a:solidFill>
+            <a:srgbClr val="4572BB"/>
+          </a:solidFill>
           <a:ln>
             <a:noFill/>
           </a:ln>
@@ -9742,46 +9694,17 @@
           <a:bodyPr rtlCol="0" anchor="ctr"/>
           <a:lstStyle/>
           <a:p>
-            <a:pPr marL="342900" indent="-342900">
-              <a:buAutoNum type="arabicPeriod"/>
-            </a:pPr>
-            <a:r>
-              <a:rPr lang="en-IN" sz="1600" dirty="0"/>
-              <a:t>Some mates will ignore the request.</a:t>
-            </a:r>
-          </a:p>
-          <a:p>
-            <a:pPr marL="342900" indent="-342900">
-              <a:buAutoNum type="arabicPeriod"/>
-            </a:pPr>
-            <a:r>
-              <a:rPr lang="en-IN" sz="1600" dirty="0"/>
-              <a:t>Feels inequality in studies</a:t>
-            </a:r>
-          </a:p>
-          <a:p>
-            <a:pPr marL="342900" indent="-342900">
-              <a:buAutoNum type="arabicPeriod"/>
-            </a:pPr>
-            <a:r>
-              <a:rPr lang="en-IN" sz="1600" dirty="0"/>
-              <a:t>Will take a lot of time.</a:t>
-            </a:r>
-          </a:p>
-          <a:p>
-            <a:pPr marL="342900" indent="-342900">
-              <a:buAutoNum type="arabicPeriod"/>
-            </a:pPr>
-            <a:endParaRPr lang="en-IN" sz="1600" dirty="0"/>
-          </a:p>
-        </p:txBody>
-      </p:sp>
-      <p:sp>
-        <p:nvSpPr>
-          <p:cNvPr id="14" name="Rectangle 13">
-            <a:extLst>
-              <a:ext uri="{FF2B5EF4-FFF2-40B4-BE49-F238E27FC236}">
-                <a16:creationId xmlns:a16="http://schemas.microsoft.com/office/drawing/2014/main" id="{DFF3C988-0DB5-4649-8426-33CBB32B293E}"/>
+            <a:pPr algn="ctr"/>
+            <a:endParaRPr lang="en-IN"/>
+          </a:p>
+        </p:txBody>
+      </p:sp>
+      <p:sp>
+        <p:nvSpPr>
+          <p:cNvPr id="30" name="Flowchart: Stored Data 29">
+            <a:extLst>
+              <a:ext uri="{FF2B5EF4-FFF2-40B4-BE49-F238E27FC236}">
+                <a16:creationId xmlns:a16="http://schemas.microsoft.com/office/drawing/2014/main" id="{6D284DE8-EF6D-4E09-86BD-C6EEA849A262}"/>
               </a:ext>
             </a:extLst>
           </p:cNvPr>
@@ -9789,13 +9712,16 @@
           <p:nvPr/>
         </p:nvSpPr>
         <p:spPr>
-          <a:xfrm>
-            <a:off x="8924475" y="2357306"/>
-            <a:ext cx="2357870" cy="1551964"/>
-          </a:xfrm>
-          <a:prstGeom prst="rect">
-            <a:avLst/>
-          </a:prstGeom>
+          <a:xfrm flipH="1">
+            <a:off x="9679800" y="2756450"/>
+            <a:ext cx="1644242" cy="671120"/>
+          </a:xfrm>
+          <a:prstGeom prst="flowChartOnlineStorage">
+            <a:avLst/>
+          </a:prstGeom>
+          <a:solidFill>
+            <a:srgbClr val="09387D"/>
+          </a:solidFill>
           <a:ln>
             <a:noFill/>
           </a:ln>
@@ -9820,119 +9746,17 @@
           <a:bodyPr rtlCol="0" anchor="ctr"/>
           <a:lstStyle/>
           <a:p>
-            <a:pPr marL="342900" indent="-342900">
-              <a:buAutoNum type="arabicPeriod"/>
-            </a:pPr>
-            <a:r>
-              <a:rPr lang="en-IN" sz="1600" dirty="0"/>
-              <a:t>Chances of loosing money</a:t>
-            </a:r>
-          </a:p>
-          <a:p>
-            <a:pPr marL="342900" indent="-342900">
-              <a:buAutoNum type="arabicPeriod"/>
-            </a:pPr>
-            <a:endParaRPr lang="en-IN" sz="1600" dirty="0"/>
-          </a:p>
-          <a:p>
-            <a:pPr marL="342900" indent="-342900">
-              <a:buAutoNum type="arabicPeriod"/>
-            </a:pPr>
-            <a:endParaRPr lang="en-IN" sz="1600" dirty="0"/>
-          </a:p>
-        </p:txBody>
-      </p:sp>
-      <p:cxnSp>
-        <p:nvCxnSpPr>
-          <p:cNvPr id="7" name="Straight Arrow Connector 6">
-            <a:extLst>
-              <a:ext uri="{FF2B5EF4-FFF2-40B4-BE49-F238E27FC236}">
-                <a16:creationId xmlns:a16="http://schemas.microsoft.com/office/drawing/2014/main" id="{0E1764EF-3F43-4816-B8C1-61FC6511291F}"/>
-              </a:ext>
-            </a:extLst>
-          </p:cNvPr>
-          <p:cNvCxnSpPr>
-            <a:cxnSpLocks/>
-            <a:stCxn id="2" idx="0"/>
-            <a:endCxn id="21" idx="3"/>
-          </p:cNvCxnSpPr>
-          <p:nvPr/>
-        </p:nvCxnSpPr>
-        <p:spPr>
-          <a:xfrm>
-            <a:off x="5964573" y="1812963"/>
-            <a:ext cx="376940" cy="0"/>
-          </a:xfrm>
-          <a:prstGeom prst="straightConnector1">
-            <a:avLst/>
-          </a:prstGeom>
-          <a:ln>
-            <a:tailEnd type="triangle"/>
-          </a:ln>
-        </p:spPr>
-        <p:style>
-          <a:lnRef idx="1">
-            <a:schemeClr val="accent1"/>
-          </a:lnRef>
-          <a:fillRef idx="0">
-            <a:schemeClr val="accent1"/>
-          </a:fillRef>
-          <a:effectRef idx="0">
-            <a:schemeClr val="accent1"/>
-          </a:effectRef>
-          <a:fontRef idx="minor">
-            <a:schemeClr val="tx1"/>
-          </a:fontRef>
-        </p:style>
-      </p:cxnSp>
-      <p:cxnSp>
-        <p:nvCxnSpPr>
-          <p:cNvPr id="12" name="Straight Arrow Connector 11">
-            <a:extLst>
-              <a:ext uri="{FF2B5EF4-FFF2-40B4-BE49-F238E27FC236}">
-                <a16:creationId xmlns:a16="http://schemas.microsoft.com/office/drawing/2014/main" id="{9DE41BEE-129E-4436-9266-F71D9A224CA0}"/>
-              </a:ext>
-            </a:extLst>
-          </p:cNvPr>
-          <p:cNvCxnSpPr>
-            <a:stCxn id="21" idx="0"/>
-            <a:endCxn id="9" idx="3"/>
-          </p:cNvCxnSpPr>
-          <p:nvPr/>
-        </p:nvCxnSpPr>
-        <p:spPr>
-          <a:xfrm>
-            <a:off x="8598151" y="1812963"/>
-            <a:ext cx="376940" cy="0"/>
-          </a:xfrm>
-          <a:prstGeom prst="straightConnector1">
-            <a:avLst/>
-          </a:prstGeom>
-          <a:ln>
-            <a:tailEnd type="triangle"/>
-          </a:ln>
-        </p:spPr>
-        <p:style>
-          <a:lnRef idx="1">
-            <a:schemeClr val="accent1"/>
-          </a:lnRef>
-          <a:fillRef idx="0">
-            <a:schemeClr val="accent1"/>
-          </a:fillRef>
-          <a:effectRef idx="0">
-            <a:schemeClr val="accent1"/>
-          </a:effectRef>
-          <a:fontRef idx="minor">
-            <a:schemeClr val="tx1"/>
-          </a:fontRef>
-        </p:style>
-      </p:cxnSp>
-      <p:sp>
-        <p:nvSpPr>
-          <p:cNvPr id="19" name="Freeform: Shape 18">
-            <a:extLst>
-              <a:ext uri="{FF2B5EF4-FFF2-40B4-BE49-F238E27FC236}">
-                <a16:creationId xmlns:a16="http://schemas.microsoft.com/office/drawing/2014/main" id="{45C54D55-71A5-4174-BAD6-168D498E9D5B}"/>
+            <a:pPr algn="ctr"/>
+            <a:endParaRPr lang="en-IN"/>
+          </a:p>
+        </p:txBody>
+      </p:sp>
+      <p:sp>
+        <p:nvSpPr>
+          <p:cNvPr id="36" name="Oval 35">
+            <a:extLst>
+              <a:ext uri="{FF2B5EF4-FFF2-40B4-BE49-F238E27FC236}">
+                <a16:creationId xmlns:a16="http://schemas.microsoft.com/office/drawing/2014/main" id="{666E9363-A1A6-400D-9C9C-523A64E20DE2}"/>
               </a:ext>
             </a:extLst>
           </p:cNvPr>
@@ -9941,269 +9765,12 @@
         </p:nvSpPr>
         <p:spPr>
           <a:xfrm>
-            <a:off x="11224470" y="1828800"/>
-            <a:ext cx="811095" cy="2919369"/>
-          </a:xfrm>
-          <a:custGeom>
-            <a:avLst/>
-            <a:gdLst>
-              <a:gd name="connsiteX0" fmla="*/ 0 w 811095"/>
-              <a:gd name="connsiteY0" fmla="*/ 0 h 2919369"/>
-              <a:gd name="connsiteX1" fmla="*/ 293614 w 811095"/>
-              <a:gd name="connsiteY1" fmla="*/ 83890 h 2919369"/>
-              <a:gd name="connsiteX2" fmla="*/ 343948 w 811095"/>
-              <a:gd name="connsiteY2" fmla="*/ 125835 h 2919369"/>
-              <a:gd name="connsiteX3" fmla="*/ 444616 w 811095"/>
-              <a:gd name="connsiteY3" fmla="*/ 226503 h 2919369"/>
-              <a:gd name="connsiteX4" fmla="*/ 662730 w 811095"/>
-              <a:gd name="connsiteY4" fmla="*/ 545284 h 2919369"/>
-              <a:gd name="connsiteX5" fmla="*/ 763398 w 811095"/>
-              <a:gd name="connsiteY5" fmla="*/ 813732 h 2919369"/>
-              <a:gd name="connsiteX6" fmla="*/ 796954 w 811095"/>
-              <a:gd name="connsiteY6" fmla="*/ 1023457 h 2919369"/>
-              <a:gd name="connsiteX7" fmla="*/ 796954 w 811095"/>
-              <a:gd name="connsiteY7" fmla="*/ 1585519 h 2919369"/>
-              <a:gd name="connsiteX8" fmla="*/ 738231 w 811095"/>
-              <a:gd name="connsiteY8" fmla="*/ 1778466 h 2919369"/>
-              <a:gd name="connsiteX9" fmla="*/ 696286 w 811095"/>
-              <a:gd name="connsiteY9" fmla="*/ 1895912 h 2919369"/>
-              <a:gd name="connsiteX10" fmla="*/ 671119 w 811095"/>
-              <a:gd name="connsiteY10" fmla="*/ 1937857 h 2919369"/>
-              <a:gd name="connsiteX11" fmla="*/ 620785 w 811095"/>
-              <a:gd name="connsiteY11" fmla="*/ 2013358 h 2919369"/>
-              <a:gd name="connsiteX12" fmla="*/ 595618 w 811095"/>
-              <a:gd name="connsiteY12" fmla="*/ 2088859 h 2919369"/>
-              <a:gd name="connsiteX13" fmla="*/ 528506 w 811095"/>
-              <a:gd name="connsiteY13" fmla="*/ 2189527 h 2919369"/>
-              <a:gd name="connsiteX14" fmla="*/ 478172 w 811095"/>
-              <a:gd name="connsiteY14" fmla="*/ 2265028 h 2919369"/>
-              <a:gd name="connsiteX15" fmla="*/ 427838 w 811095"/>
-              <a:gd name="connsiteY15" fmla="*/ 2374084 h 2919369"/>
-              <a:gd name="connsiteX16" fmla="*/ 385893 w 811095"/>
-              <a:gd name="connsiteY16" fmla="*/ 2441196 h 2919369"/>
-              <a:gd name="connsiteX17" fmla="*/ 352337 w 811095"/>
-              <a:gd name="connsiteY17" fmla="*/ 2508308 h 2919369"/>
-              <a:gd name="connsiteX18" fmla="*/ 285225 w 811095"/>
-              <a:gd name="connsiteY18" fmla="*/ 2583809 h 2919369"/>
-              <a:gd name="connsiteX19" fmla="*/ 251669 w 811095"/>
-              <a:gd name="connsiteY19" fmla="*/ 2650921 h 2919369"/>
-              <a:gd name="connsiteX20" fmla="*/ 159391 w 811095"/>
-              <a:gd name="connsiteY20" fmla="*/ 2776756 h 2919369"/>
-              <a:gd name="connsiteX21" fmla="*/ 92279 w 811095"/>
-              <a:gd name="connsiteY21" fmla="*/ 2843868 h 2919369"/>
-              <a:gd name="connsiteX22" fmla="*/ 67112 w 811095"/>
-              <a:gd name="connsiteY22" fmla="*/ 2869035 h 2919369"/>
-              <a:gd name="connsiteX23" fmla="*/ 25167 w 811095"/>
-              <a:gd name="connsiteY23" fmla="*/ 2902591 h 2919369"/>
-              <a:gd name="connsiteX24" fmla="*/ 0 w 811095"/>
-              <a:gd name="connsiteY24" fmla="*/ 2919369 h 2919369"/>
-            </a:gdLst>
-            <a:ahLst/>
-            <a:cxnLst>
-              <a:cxn ang="0">
-                <a:pos x="connsiteX0" y="connsiteY0"/>
-              </a:cxn>
-              <a:cxn ang="0">
-                <a:pos x="connsiteX1" y="connsiteY1"/>
-              </a:cxn>
-              <a:cxn ang="0">
-                <a:pos x="connsiteX2" y="connsiteY2"/>
-              </a:cxn>
-              <a:cxn ang="0">
-                <a:pos x="connsiteX3" y="connsiteY3"/>
-              </a:cxn>
-              <a:cxn ang="0">
-                <a:pos x="connsiteX4" y="connsiteY4"/>
-              </a:cxn>
-              <a:cxn ang="0">
-                <a:pos x="connsiteX5" y="connsiteY5"/>
-              </a:cxn>
-              <a:cxn ang="0">
-                <a:pos x="connsiteX6" y="connsiteY6"/>
-              </a:cxn>
-              <a:cxn ang="0">
-                <a:pos x="connsiteX7" y="connsiteY7"/>
-              </a:cxn>
-              <a:cxn ang="0">
-                <a:pos x="connsiteX8" y="connsiteY8"/>
-              </a:cxn>
-              <a:cxn ang="0">
-                <a:pos x="connsiteX9" y="connsiteY9"/>
-              </a:cxn>
-              <a:cxn ang="0">
-                <a:pos x="connsiteX10" y="connsiteY10"/>
-              </a:cxn>
-              <a:cxn ang="0">
-                <a:pos x="connsiteX11" y="connsiteY11"/>
-              </a:cxn>
-              <a:cxn ang="0">
-                <a:pos x="connsiteX12" y="connsiteY12"/>
-              </a:cxn>
-              <a:cxn ang="0">
-                <a:pos x="connsiteX13" y="connsiteY13"/>
-              </a:cxn>
-              <a:cxn ang="0">
-                <a:pos x="connsiteX14" y="connsiteY14"/>
-              </a:cxn>
-              <a:cxn ang="0">
-                <a:pos x="connsiteX15" y="connsiteY15"/>
-              </a:cxn>
-              <a:cxn ang="0">
-                <a:pos x="connsiteX16" y="connsiteY16"/>
-              </a:cxn>
-              <a:cxn ang="0">
-                <a:pos x="connsiteX17" y="connsiteY17"/>
-              </a:cxn>
-              <a:cxn ang="0">
-                <a:pos x="connsiteX18" y="connsiteY18"/>
-              </a:cxn>
-              <a:cxn ang="0">
-                <a:pos x="connsiteX19" y="connsiteY19"/>
-              </a:cxn>
-              <a:cxn ang="0">
-                <a:pos x="connsiteX20" y="connsiteY20"/>
-              </a:cxn>
-              <a:cxn ang="0">
-                <a:pos x="connsiteX21" y="connsiteY21"/>
-              </a:cxn>
-              <a:cxn ang="0">
-                <a:pos x="connsiteX22" y="connsiteY22"/>
-              </a:cxn>
-              <a:cxn ang="0">
-                <a:pos x="connsiteX23" y="connsiteY23"/>
-              </a:cxn>
-              <a:cxn ang="0">
-                <a:pos x="connsiteX24" y="connsiteY24"/>
-              </a:cxn>
-            </a:cxnLst>
-            <a:rect l="l" t="t" r="r" b="b"/>
-            <a:pathLst>
-              <a:path w="811095" h="2919369">
-                <a:moveTo>
-                  <a:pt x="0" y="0"/>
-                </a:moveTo>
-                <a:cubicBezTo>
-                  <a:pt x="93640" y="21282"/>
-                  <a:pt x="205251" y="37383"/>
-                  <a:pt x="293614" y="83890"/>
-                </a:cubicBezTo>
-                <a:cubicBezTo>
-                  <a:pt x="312941" y="94062"/>
-                  <a:pt x="328070" y="110839"/>
-                  <a:pt x="343948" y="125835"/>
-                </a:cubicBezTo>
-                <a:cubicBezTo>
-                  <a:pt x="378449" y="158419"/>
-                  <a:pt x="412870" y="191230"/>
-                  <a:pt x="444616" y="226503"/>
-                </a:cubicBezTo>
-                <a:cubicBezTo>
-                  <a:pt x="560094" y="354812"/>
-                  <a:pt x="588770" y="389968"/>
-                  <a:pt x="662730" y="545284"/>
-                </a:cubicBezTo>
-                <a:cubicBezTo>
-                  <a:pt x="681083" y="583826"/>
-                  <a:pt x="749088" y="742180"/>
-                  <a:pt x="763398" y="813732"/>
-                </a:cubicBezTo>
-                <a:cubicBezTo>
-                  <a:pt x="777283" y="883155"/>
-                  <a:pt x="785769" y="953549"/>
-                  <a:pt x="796954" y="1023457"/>
-                </a:cubicBezTo>
-                <a:cubicBezTo>
-                  <a:pt x="814186" y="1247479"/>
-                  <a:pt x="817367" y="1243599"/>
-                  <a:pt x="796954" y="1585519"/>
-                </a:cubicBezTo>
-                <a:cubicBezTo>
-                  <a:pt x="791721" y="1673169"/>
-                  <a:pt x="764083" y="1700909"/>
-                  <a:pt x="738231" y="1778466"/>
-                </a:cubicBezTo>
-                <a:cubicBezTo>
-                  <a:pt x="704853" y="1878599"/>
-                  <a:pt x="741568" y="1812895"/>
-                  <a:pt x="696286" y="1895912"/>
-                </a:cubicBezTo>
-                <a:cubicBezTo>
-                  <a:pt x="688478" y="1910226"/>
-                  <a:pt x="679936" y="1924141"/>
-                  <a:pt x="671119" y="1937857"/>
-                </a:cubicBezTo>
-                <a:cubicBezTo>
-                  <a:pt x="654763" y="1963300"/>
-                  <a:pt x="630350" y="1984663"/>
-                  <a:pt x="620785" y="2013358"/>
-                </a:cubicBezTo>
-                <a:cubicBezTo>
-                  <a:pt x="612396" y="2038525"/>
-                  <a:pt x="607927" y="2065359"/>
-                  <a:pt x="595618" y="2088859"/>
-                </a:cubicBezTo>
-                <a:cubicBezTo>
-                  <a:pt x="576905" y="2124584"/>
-                  <a:pt x="550877" y="2155971"/>
-                  <a:pt x="528506" y="2189527"/>
-                </a:cubicBezTo>
-                <a:cubicBezTo>
-                  <a:pt x="511728" y="2214694"/>
-                  <a:pt x="490087" y="2237227"/>
-                  <a:pt x="478172" y="2265028"/>
-                </a:cubicBezTo>
-                <a:cubicBezTo>
-                  <a:pt x="462495" y="2301606"/>
-                  <a:pt x="447660" y="2339395"/>
-                  <a:pt x="427838" y="2374084"/>
-                </a:cubicBezTo>
-                <a:cubicBezTo>
-                  <a:pt x="414750" y="2396989"/>
-                  <a:pt x="398826" y="2418203"/>
-                  <a:pt x="385893" y="2441196"/>
-                </a:cubicBezTo>
-                <a:cubicBezTo>
-                  <a:pt x="373631" y="2462995"/>
-                  <a:pt x="365445" y="2487007"/>
-                  <a:pt x="352337" y="2508308"/>
-                </a:cubicBezTo>
-                <a:cubicBezTo>
-                  <a:pt x="229956" y="2707177"/>
-                  <a:pt x="401184" y="2409870"/>
-                  <a:pt x="285225" y="2583809"/>
-                </a:cubicBezTo>
-                <a:cubicBezTo>
-                  <a:pt x="271351" y="2604620"/>
-                  <a:pt x="265543" y="2630110"/>
-                  <a:pt x="251669" y="2650921"/>
-                </a:cubicBezTo>
-                <a:cubicBezTo>
-                  <a:pt x="226126" y="2689235"/>
-                  <a:pt x="189860" y="2746287"/>
-                  <a:pt x="159391" y="2776756"/>
-                </a:cubicBezTo>
-                <a:lnTo>
-                  <a:pt x="92279" y="2843868"/>
-                </a:lnTo>
-                <a:cubicBezTo>
-                  <a:pt x="83890" y="2852257"/>
-                  <a:pt x="76376" y="2861624"/>
-                  <a:pt x="67112" y="2869035"/>
-                </a:cubicBezTo>
-                <a:cubicBezTo>
-                  <a:pt x="53130" y="2880220"/>
-                  <a:pt x="39491" y="2891848"/>
-                  <a:pt x="25167" y="2902591"/>
-                </a:cubicBezTo>
-                <a:cubicBezTo>
-                  <a:pt x="17101" y="2908640"/>
-                  <a:pt x="0" y="2919369"/>
-                  <a:pt x="0" y="2919369"/>
-                </a:cubicBezTo>
-              </a:path>
-            </a:pathLst>
-          </a:custGeom>
-          <a:noFill/>
+            <a:off x="1805031" y="2222740"/>
+            <a:ext cx="167780" cy="145395"/>
+          </a:xfrm>
+          <a:prstGeom prst="ellipse">
+            <a:avLst/>
+          </a:prstGeom>
           <a:ln>
             <a:noFill/>
           </a:ln>
@@ -10233,50 +9800,426 @@
           </a:p>
         </p:txBody>
       </p:sp>
-      <p:cxnSp>
-        <p:nvCxnSpPr>
-          <p:cNvPr id="23" name="Connector: Elbow 22">
-            <a:extLst>
-              <a:ext uri="{FF2B5EF4-FFF2-40B4-BE49-F238E27FC236}">
-                <a16:creationId xmlns:a16="http://schemas.microsoft.com/office/drawing/2014/main" id="{036F2958-BD78-4A54-90DB-426A5A2E4547}"/>
-              </a:ext>
-            </a:extLst>
-          </p:cNvPr>
-          <p:cNvCxnSpPr>
-            <a:stCxn id="9" idx="0"/>
-            <a:endCxn id="10" idx="0"/>
-          </p:cNvCxnSpPr>
+      <p:sp>
+        <p:nvSpPr>
+          <p:cNvPr id="40" name="Oval 39">
+            <a:extLst>
+              <a:ext uri="{FF2B5EF4-FFF2-40B4-BE49-F238E27FC236}">
+                <a16:creationId xmlns:a16="http://schemas.microsoft.com/office/drawing/2014/main" id="{24BD3560-1214-47A1-A4AA-EE5AFB6701AF}"/>
+              </a:ext>
+            </a:extLst>
+          </p:cNvPr>
+          <p:cNvSpPr/>
           <p:nvPr/>
-        </p:nvCxnSpPr>
-        <p:spPr>
-          <a:xfrm>
-            <a:off x="11231729" y="1812963"/>
-            <a:ext cx="12700" cy="2869662"/>
-          </a:xfrm>
-          <a:prstGeom prst="bentConnector3">
-            <a:avLst>
-              <a:gd name="adj1" fmla="val 1800000"/>
-            </a:avLst>
+        </p:nvSpPr>
+        <p:spPr>
+          <a:xfrm>
+            <a:off x="3231159" y="4022805"/>
+            <a:ext cx="167780" cy="145395"/>
+          </a:xfrm>
+          <a:prstGeom prst="ellipse">
+            <a:avLst/>
           </a:prstGeom>
           <a:ln>
-            <a:tailEnd type="triangle"/>
+            <a:noFill/>
           </a:ln>
         </p:spPr>
         <p:style>
-          <a:lnRef idx="1">
-            <a:schemeClr val="accent1"/>
+          <a:lnRef idx="2">
+            <a:schemeClr val="accent1">
+              <a:shade val="50000"/>
+            </a:schemeClr>
           </a:lnRef>
-          <a:fillRef idx="0">
+          <a:fillRef idx="1">
             <a:schemeClr val="accent1"/>
           </a:fillRef>
           <a:effectRef idx="0">
             <a:schemeClr val="accent1"/>
           </a:effectRef>
           <a:fontRef idx="minor">
-            <a:schemeClr val="tx1"/>
+            <a:schemeClr val="lt1"/>
           </a:fontRef>
         </p:style>
-      </p:cxnSp>
+        <p:txBody>
+          <a:bodyPr rtlCol="0" anchor="ctr"/>
+          <a:lstStyle/>
+          <a:p>
+            <a:pPr algn="ctr"/>
+            <a:endParaRPr lang="en-IN"/>
+          </a:p>
+        </p:txBody>
+      </p:sp>
+      <p:sp>
+        <p:nvSpPr>
+          <p:cNvPr id="41" name="Oval 40">
+            <a:extLst>
+              <a:ext uri="{FF2B5EF4-FFF2-40B4-BE49-F238E27FC236}">
+                <a16:creationId xmlns:a16="http://schemas.microsoft.com/office/drawing/2014/main" id="{CDE879BF-8205-4EA7-9751-2D7EEA2F6CE1}"/>
+              </a:ext>
+            </a:extLst>
+          </p:cNvPr>
+          <p:cNvSpPr/>
+          <p:nvPr/>
+        </p:nvSpPr>
+        <p:spPr>
+          <a:xfrm>
+            <a:off x="4885189" y="2323622"/>
+            <a:ext cx="167780" cy="145395"/>
+          </a:xfrm>
+          <a:prstGeom prst="ellipse">
+            <a:avLst/>
+          </a:prstGeom>
+          <a:ln>
+            <a:noFill/>
+          </a:ln>
+        </p:spPr>
+        <p:style>
+          <a:lnRef idx="2">
+            <a:schemeClr val="accent1">
+              <a:shade val="50000"/>
+            </a:schemeClr>
+          </a:lnRef>
+          <a:fillRef idx="1">
+            <a:schemeClr val="accent1"/>
+          </a:fillRef>
+          <a:effectRef idx="0">
+            <a:schemeClr val="accent1"/>
+          </a:effectRef>
+          <a:fontRef idx="minor">
+            <a:schemeClr val="lt1"/>
+          </a:fontRef>
+        </p:style>
+        <p:txBody>
+          <a:bodyPr rtlCol="0" anchor="ctr"/>
+          <a:lstStyle/>
+          <a:p>
+            <a:pPr algn="ctr"/>
+            <a:endParaRPr lang="en-IN"/>
+          </a:p>
+        </p:txBody>
+      </p:sp>
+      <p:sp>
+        <p:nvSpPr>
+          <p:cNvPr id="42" name="Oval 41">
+            <a:extLst>
+              <a:ext uri="{FF2B5EF4-FFF2-40B4-BE49-F238E27FC236}">
+                <a16:creationId xmlns:a16="http://schemas.microsoft.com/office/drawing/2014/main" id="{33EC8934-A2DA-4784-9EF9-ED11CD81D043}"/>
+              </a:ext>
+            </a:extLst>
+          </p:cNvPr>
+          <p:cNvSpPr/>
+          <p:nvPr/>
+        </p:nvSpPr>
+        <p:spPr>
+          <a:xfrm>
+            <a:off x="6505663" y="3746047"/>
+            <a:ext cx="167780" cy="145395"/>
+          </a:xfrm>
+          <a:prstGeom prst="ellipse">
+            <a:avLst/>
+          </a:prstGeom>
+          <a:ln>
+            <a:noFill/>
+          </a:ln>
+        </p:spPr>
+        <p:style>
+          <a:lnRef idx="2">
+            <a:schemeClr val="accent1">
+              <a:shade val="50000"/>
+            </a:schemeClr>
+          </a:lnRef>
+          <a:fillRef idx="1">
+            <a:schemeClr val="accent1"/>
+          </a:fillRef>
+          <a:effectRef idx="0">
+            <a:schemeClr val="accent1"/>
+          </a:effectRef>
+          <a:fontRef idx="minor">
+            <a:schemeClr val="lt1"/>
+          </a:fontRef>
+        </p:style>
+        <p:txBody>
+          <a:bodyPr rtlCol="0" anchor="ctr"/>
+          <a:lstStyle/>
+          <a:p>
+            <a:pPr algn="ctr"/>
+            <a:endParaRPr lang="en-IN"/>
+          </a:p>
+        </p:txBody>
+      </p:sp>
+      <p:sp>
+        <p:nvSpPr>
+          <p:cNvPr id="43" name="Oval 42">
+            <a:extLst>
+              <a:ext uri="{FF2B5EF4-FFF2-40B4-BE49-F238E27FC236}">
+                <a16:creationId xmlns:a16="http://schemas.microsoft.com/office/drawing/2014/main" id="{5CF1973A-3FC6-4545-B82B-6975B924F220}"/>
+              </a:ext>
+            </a:extLst>
+          </p:cNvPr>
+          <p:cNvSpPr/>
+          <p:nvPr/>
+        </p:nvSpPr>
+        <p:spPr>
+          <a:xfrm>
+            <a:off x="7755622" y="3705931"/>
+            <a:ext cx="167780" cy="145395"/>
+          </a:xfrm>
+          <a:prstGeom prst="ellipse">
+            <a:avLst/>
+          </a:prstGeom>
+          <a:ln>
+            <a:noFill/>
+          </a:ln>
+        </p:spPr>
+        <p:style>
+          <a:lnRef idx="2">
+            <a:schemeClr val="accent1">
+              <a:shade val="50000"/>
+            </a:schemeClr>
+          </a:lnRef>
+          <a:fillRef idx="1">
+            <a:schemeClr val="accent1"/>
+          </a:fillRef>
+          <a:effectRef idx="0">
+            <a:schemeClr val="accent1"/>
+          </a:effectRef>
+          <a:fontRef idx="minor">
+            <a:schemeClr val="lt1"/>
+          </a:fontRef>
+        </p:style>
+        <p:txBody>
+          <a:bodyPr rtlCol="0" anchor="ctr"/>
+          <a:lstStyle/>
+          <a:p>
+            <a:pPr algn="ctr"/>
+            <a:endParaRPr lang="en-IN"/>
+          </a:p>
+        </p:txBody>
+      </p:sp>
+      <p:sp>
+        <p:nvSpPr>
+          <p:cNvPr id="46" name="Oval 45">
+            <a:extLst>
+              <a:ext uri="{FF2B5EF4-FFF2-40B4-BE49-F238E27FC236}">
+                <a16:creationId xmlns:a16="http://schemas.microsoft.com/office/drawing/2014/main" id="{E95AAF04-1AE3-47DB-A907-E8893AB5FAAC}"/>
+              </a:ext>
+            </a:extLst>
+          </p:cNvPr>
+          <p:cNvSpPr/>
+          <p:nvPr/>
+        </p:nvSpPr>
+        <p:spPr>
+          <a:xfrm>
+            <a:off x="8890964" y="2337696"/>
+            <a:ext cx="167780" cy="145395"/>
+          </a:xfrm>
+          <a:prstGeom prst="ellipse">
+            <a:avLst/>
+          </a:prstGeom>
+          <a:ln>
+            <a:noFill/>
+          </a:ln>
+        </p:spPr>
+        <p:style>
+          <a:lnRef idx="2">
+            <a:schemeClr val="accent1">
+              <a:shade val="50000"/>
+            </a:schemeClr>
+          </a:lnRef>
+          <a:fillRef idx="1">
+            <a:schemeClr val="accent1"/>
+          </a:fillRef>
+          <a:effectRef idx="0">
+            <a:schemeClr val="accent1"/>
+          </a:effectRef>
+          <a:fontRef idx="minor">
+            <a:schemeClr val="lt1"/>
+          </a:fontRef>
+        </p:style>
+        <p:txBody>
+          <a:bodyPr rtlCol="0" anchor="ctr"/>
+          <a:lstStyle/>
+          <a:p>
+            <a:pPr algn="ctr"/>
+            <a:endParaRPr lang="en-IN"/>
+          </a:p>
+        </p:txBody>
+      </p:sp>
+      <p:sp>
+        <p:nvSpPr>
+          <p:cNvPr id="47" name="Oval 46">
+            <a:extLst>
+              <a:ext uri="{FF2B5EF4-FFF2-40B4-BE49-F238E27FC236}">
+                <a16:creationId xmlns:a16="http://schemas.microsoft.com/office/drawing/2014/main" id="{87A3C31D-9D5D-467E-B657-8A10F2EC514A}"/>
+              </a:ext>
+            </a:extLst>
+          </p:cNvPr>
+          <p:cNvSpPr/>
+          <p:nvPr/>
+        </p:nvSpPr>
+        <p:spPr>
+          <a:xfrm>
+            <a:off x="10893105" y="3769158"/>
+            <a:ext cx="167780" cy="145395"/>
+          </a:xfrm>
+          <a:prstGeom prst="ellipse">
+            <a:avLst/>
+          </a:prstGeom>
+          <a:ln>
+            <a:noFill/>
+          </a:ln>
+        </p:spPr>
+        <p:style>
+          <a:lnRef idx="2">
+            <a:schemeClr val="accent1">
+              <a:shade val="50000"/>
+            </a:schemeClr>
+          </a:lnRef>
+          <a:fillRef idx="1">
+            <a:schemeClr val="accent1"/>
+          </a:fillRef>
+          <a:effectRef idx="0">
+            <a:schemeClr val="accent1"/>
+          </a:effectRef>
+          <a:fontRef idx="minor">
+            <a:schemeClr val="lt1"/>
+          </a:fontRef>
+        </p:style>
+        <p:txBody>
+          <a:bodyPr rtlCol="0" anchor="ctr"/>
+          <a:lstStyle/>
+          <a:p>
+            <a:pPr algn="ctr"/>
+            <a:endParaRPr lang="en-IN"/>
+          </a:p>
+        </p:txBody>
+      </p:sp>
+      <p:sp>
+        <p:nvSpPr>
+          <p:cNvPr id="48" name="Title 8">
+            <a:extLst>
+              <a:ext uri="{FF2B5EF4-FFF2-40B4-BE49-F238E27FC236}">
+                <a16:creationId xmlns:a16="http://schemas.microsoft.com/office/drawing/2014/main" id="{E384670A-DE26-4E4A-9ED8-6B4D41DBFDED}"/>
+              </a:ext>
+            </a:extLst>
+          </p:cNvPr>
+          <p:cNvSpPr>
+            <a:spLocks noGrp="1"/>
+          </p:cNvSpPr>
+          <p:nvPr>
+            <p:ph type="title"/>
+          </p:nvPr>
+        </p:nvSpPr>
+        <p:spPr>
+          <a:xfrm>
+            <a:off x="664129" y="93100"/>
+            <a:ext cx="6151461" cy="830997"/>
+          </a:xfrm>
+        </p:spPr>
+        <p:txBody>
+          <a:bodyPr/>
+          <a:lstStyle/>
+          <a:p>
+            <a:r>
+              <a:rPr lang="en-US" b="1" dirty="0"/>
+              <a:t>Crowdfunding Customer Journey</a:t>
+            </a:r>
+          </a:p>
+        </p:txBody>
+      </p:sp>
+      <p:sp>
+        <p:nvSpPr>
+          <p:cNvPr id="49" name="Oval 48">
+            <a:extLst>
+              <a:ext uri="{FF2B5EF4-FFF2-40B4-BE49-F238E27FC236}">
+                <a16:creationId xmlns:a16="http://schemas.microsoft.com/office/drawing/2014/main" id="{073E4E80-2237-4A2D-9E4F-158809311A71}"/>
+              </a:ext>
+            </a:extLst>
+          </p:cNvPr>
+          <p:cNvSpPr/>
+          <p:nvPr/>
+        </p:nvSpPr>
+        <p:spPr>
+          <a:xfrm>
+            <a:off x="704675" y="3945006"/>
+            <a:ext cx="167780" cy="145395"/>
+          </a:xfrm>
+          <a:prstGeom prst="ellipse">
+            <a:avLst/>
+          </a:prstGeom>
+          <a:ln>
+            <a:noFill/>
+          </a:ln>
+        </p:spPr>
+        <p:style>
+          <a:lnRef idx="2">
+            <a:schemeClr val="accent1">
+              <a:shade val="50000"/>
+            </a:schemeClr>
+          </a:lnRef>
+          <a:fillRef idx="1">
+            <a:schemeClr val="accent1"/>
+          </a:fillRef>
+          <a:effectRef idx="0">
+            <a:schemeClr val="accent1"/>
+          </a:effectRef>
+          <a:fontRef idx="minor">
+            <a:schemeClr val="lt1"/>
+          </a:fontRef>
+        </p:style>
+        <p:txBody>
+          <a:bodyPr rtlCol="0" anchor="ctr"/>
+          <a:lstStyle/>
+          <a:p>
+            <a:pPr algn="ctr"/>
+            <a:endParaRPr lang="en-IN"/>
+          </a:p>
+        </p:txBody>
+      </p:sp>
+      <p:sp>
+        <p:nvSpPr>
+          <p:cNvPr id="37" name="TextBox 36">
+            <a:extLst>
+              <a:ext uri="{FF2B5EF4-FFF2-40B4-BE49-F238E27FC236}">
+                <a16:creationId xmlns:a16="http://schemas.microsoft.com/office/drawing/2014/main" id="{DCE708DA-D372-4D46-8D7F-4CF2022D1E83}"/>
+              </a:ext>
+            </a:extLst>
+          </p:cNvPr>
+          <p:cNvSpPr txBox="1"/>
+          <p:nvPr/>
+        </p:nvSpPr>
+        <p:spPr>
+          <a:xfrm>
+            <a:off x="36352" y="4106325"/>
+            <a:ext cx="2396455" cy="584775"/>
+          </a:xfrm>
+          <a:prstGeom prst="rect">
+            <a:avLst/>
+          </a:prstGeom>
+          <a:noFill/>
+        </p:spPr>
+        <p:txBody>
+          <a:bodyPr wrap="square" rtlCol="0">
+            <a:spAutoFit/>
+          </a:bodyPr>
+          <a:lstStyle/>
+          <a:p>
+            <a:pPr algn="ctr"/>
+            <a:r>
+              <a:rPr lang="en-IN" sz="1600" dirty="0">
+                <a:solidFill>
+                  <a:schemeClr val="accent2">
+                    <a:lumMod val="60000"/>
+                    <a:lumOff val="40000"/>
+                  </a:schemeClr>
+                </a:solidFill>
+                <a:latin typeface="+mj-lt"/>
+              </a:rPr>
+              <a:t>“Decides to participate in an event”</a:t>
+            </a:r>
+          </a:p>
+        </p:txBody>
+      </p:sp>
     </p:spTree>
     <p:extLst>
       <p:ext uri="{BB962C8B-B14F-4D97-AF65-F5344CB8AC3E}">
@@ -11472,15 +11415,6 @@
 </file>
 
 <file path=customXml/item2.xml><?xml version="1.0" encoding="utf-8"?>
-<p:properties xmlns:p="http://schemas.microsoft.com/office/2006/metadata/properties" xmlns:xsi="http://www.w3.org/2001/XMLSchema-instance" xmlns:pc="http://schemas.microsoft.com/office/infopath/2007/PartnerControls">
-  <documentManagement>
-    <Status xmlns="71af3243-3dd4-4a8d-8c0d-dd76da1f02a5">Not started</Status>
-    <MediaServiceKeyPoints xmlns="71af3243-3dd4-4a8d-8c0d-dd76da1f02a5" xsi:nil="true"/>
-  </documentManagement>
-</p:properties>
-</file>
-
-<file path=customXml/item3.xml><?xml version="1.0" encoding="utf-8"?>
 <ct:contentTypeSchema xmlns:ct="http://schemas.microsoft.com/office/2006/metadata/contentType" xmlns:ma="http://schemas.microsoft.com/office/2006/metadata/properties/metaAttributes" ct:_="" ma:_="" ma:contentTypeName="Document" ma:contentTypeID="0x01010079F111ED35F8CC479449609E8A0923A6" ma:contentTypeVersion="12" ma:contentTypeDescription="Create a new document." ma:contentTypeScope="" ma:versionID="426e97fa315356fffbdcd9876fe988c2">
   <xsd:schema xmlns:xsd="http://www.w3.org/2001/XMLSchema" xmlns:xs="http://www.w3.org/2001/XMLSchema" xmlns:p="http://schemas.microsoft.com/office/2006/metadata/properties" xmlns:ns2="71af3243-3dd4-4a8d-8c0d-dd76da1f02a5" xmlns:ns3="16c05727-aa75-4e4a-9b5f-8a80a1165891" targetNamespace="http://schemas.microsoft.com/office/2006/metadata/properties" ma:root="true" ma:fieldsID="14b8f0def80e6d70ce3def20c90759ae" ns2:_="" ns3:_="">
     <xsd:import namespace="71af3243-3dd4-4a8d-8c0d-dd76da1f02a5"/>
@@ -11701,6 +11635,15 @@
 </ct:contentTypeSchema>
 </file>
 
+<file path=customXml/item3.xml><?xml version="1.0" encoding="utf-8"?>
+<p:properties xmlns:p="http://schemas.microsoft.com/office/2006/metadata/properties" xmlns:xsi="http://www.w3.org/2001/XMLSchema-instance" xmlns:pc="http://schemas.microsoft.com/office/infopath/2007/PartnerControls">
+  <documentManagement>
+    <Status xmlns="71af3243-3dd4-4a8d-8c0d-dd76da1f02a5">Not started</Status>
+    <MediaServiceKeyPoints xmlns="71af3243-3dd4-4a8d-8c0d-dd76da1f02a5" xsi:nil="true"/>
+  </documentManagement>
+</p:properties>
+</file>
+
 <file path=customXml/itemProps1.xml><?xml version="1.0" encoding="utf-8"?>
 <ds:datastoreItem xmlns:ds="http://schemas.openxmlformats.org/officeDocument/2006/customXml" ds:itemID="{05D99ABA-76CE-4A8E-B5F0-C051B96628DE}">
   <ds:schemaRefs>
@@ -11710,16 +11653,6 @@
 </file>
 
 <file path=customXml/itemProps2.xml><?xml version="1.0" encoding="utf-8"?>
-<ds:datastoreItem xmlns:ds="http://schemas.openxmlformats.org/officeDocument/2006/customXml" ds:itemID="{4DEA9014-ED64-4558-B1E1-D03F0EE32BEB}">
-  <ds:schemaRefs>
-    <ds:schemaRef ds:uri="http://schemas.microsoft.com/office/2006/metadata/properties"/>
-    <ds:schemaRef ds:uri="http://schemas.microsoft.com/office/infopath/2007/PartnerControls"/>
-    <ds:schemaRef ds:uri="71af3243-3dd4-4a8d-8c0d-dd76da1f02a5"/>
-  </ds:schemaRefs>
-</ds:datastoreItem>
-</file>
-
-<file path=customXml/itemProps3.xml><?xml version="1.0" encoding="utf-8"?>
 <ds:datastoreItem xmlns:ds="http://schemas.openxmlformats.org/officeDocument/2006/customXml" ds:itemID="{B19EB750-A6DA-4BE8-B87B-FC499FE73360}">
   <ds:schemaRefs>
     <ds:schemaRef ds:uri="http://schemas.microsoft.com/office/2006/metadata/contentType"/>
@@ -11736,4 +11669,14 @@
     <ds:schemaRef ds:uri="http://schemas.microsoft.com/internal/obd"/>
   </ds:schemaRefs>
 </ds:datastoreItem>
+</file>
+
+<file path=customXml/itemProps3.xml><?xml version="1.0" encoding="utf-8"?>
+<ds:datastoreItem xmlns:ds="http://schemas.openxmlformats.org/officeDocument/2006/customXml" ds:itemID="{4DEA9014-ED64-4558-B1E1-D03F0EE32BEB}">
+  <ds:schemaRefs>
+    <ds:schemaRef ds:uri="http://schemas.microsoft.com/office/2006/metadata/properties"/>
+    <ds:schemaRef ds:uri="http://schemas.microsoft.com/office/infopath/2007/PartnerControls"/>
+    <ds:schemaRef ds:uri="71af3243-3dd4-4a8d-8c0d-dd76da1f02a5"/>
+  </ds:schemaRefs>
+</ds:datastoreItem>
 </file>